--- a/EntityFrameWork/EnityFramework_Core.pptx
+++ b/EntityFrameWork/EnityFramework_Core.pptx
@@ -6,7 +6,7 @@
     <p:sldMasterId id="2147483672" r:id="rId2"/>
   </p:sldMasterIdLst>
   <p:notesMasterIdLst>
-    <p:notesMasterId r:id="rId14"/>
+    <p:notesMasterId r:id="rId15"/>
   </p:notesMasterIdLst>
   <p:sldIdLst>
     <p:sldId id="326" r:id="rId3"/>
@@ -20,6 +20,7 @@
     <p:sldId id="334" r:id="rId11"/>
     <p:sldId id="335" r:id="rId12"/>
     <p:sldId id="336" r:id="rId13"/>
+    <p:sldId id="337" r:id="rId14"/>
   </p:sldIdLst>
   <p:sldSz cx="9144000" cy="6858000" type="screen4x3"/>
   <p:notesSz cx="6858000" cy="9144000"/>
@@ -118,6 +119,22 @@
       </a:defRPr>
     </a:lvl9pPr>
   </p:defaultTextStyle>
+  <p:extLst>
+    <p:ext uri="{EFAFB233-063F-42B5-8137-9DF3F51BA10A}">
+      <p15:sldGuideLst xmlns:p15="http://schemas.microsoft.com/office/powerpoint/2012/main">
+        <p15:guide id="1" orient="horz" pos="2160">
+          <p15:clr>
+            <a:srgbClr val="A4A3A4"/>
+          </p15:clr>
+        </p15:guide>
+        <p15:guide id="2" pos="2880">
+          <p15:clr>
+            <a:srgbClr val="A4A3A4"/>
+          </p15:clr>
+        </p15:guide>
+      </p15:sldGuideLst>
+    </p:ext>
+  </p:extLst>
 </p:presentation>
 </file>
 
@@ -204,7 +221,7 @@
             <a:fld id="{FD6E9330-9392-43C4-950A-D5CED98CCE45}" type="datetimeFigureOut">
               <a:rPr lang="en-US" smtClean="0"/>
               <a:pPr/>
-              <a:t>2/12/2020</a:t>
+              <a:t>9/8/2020</a:t>
             </a:fld>
             <a:endParaRPr lang="en-US"/>
           </a:p>
@@ -373,7 +390,7 @@
     </p:spTree>
     <p:extLst>
       <p:ext uri="{BB962C8B-B14F-4D97-AF65-F5344CB8AC3E}">
-        <p14:creationId xmlns:p14="http://schemas.microsoft.com/office/powerpoint/2010/main" xmlns="" val="2012087036"/>
+        <p14:creationId xmlns:p14="http://schemas.microsoft.com/office/powerpoint/2010/main" val="2012087036"/>
       </p:ext>
     </p:extLst>
   </p:cSld>
@@ -765,7 +782,7 @@
             <a:fld id="{1D8BD707-D9CF-40AE-B4C6-C98DA3205C09}" type="datetimeFigureOut">
               <a:rPr lang="en-US" smtClean="0"/>
               <a:pPr/>
-              <a:t>2/12/2020</a:t>
+              <a:t>9/8/2020</a:t>
             </a:fld>
             <a:endParaRPr lang="en-US"/>
           </a:p>
@@ -958,7 +975,7 @@
             <a:fld id="{1D8BD707-D9CF-40AE-B4C6-C98DA3205C09}" type="datetimeFigureOut">
               <a:rPr lang="en-US" smtClean="0"/>
               <a:pPr/>
-              <a:t>2/12/2020</a:t>
+              <a:t>9/8/2020</a:t>
             </a:fld>
             <a:endParaRPr lang="en-US"/>
           </a:p>
@@ -1145,7 +1162,7 @@
             <a:fld id="{1D8BD707-D9CF-40AE-B4C6-C98DA3205C09}" type="datetimeFigureOut">
               <a:rPr lang="en-US" smtClean="0"/>
               <a:pPr/>
-              <a:t>2/12/2020</a:t>
+              <a:t>9/8/2020</a:t>
             </a:fld>
             <a:endParaRPr lang="en-US"/>
           </a:p>
@@ -1448,7 +1465,7 @@
           <a:blip r:embed="rId3">
             <a:extLst>
               <a:ext uri="{28A0092B-C50C-407E-A947-70E740481C1C}">
-                <a14:useLocalDpi xmlns:a14="http://schemas.microsoft.com/office/drawing/2010/main" xmlns="" val="0"/>
+                <a14:useLocalDpi xmlns:a14="http://schemas.microsoft.com/office/drawing/2010/main" val="0"/>
               </a:ext>
             </a:extLst>
           </a:blip>
@@ -1471,14 +1488,14 @@
           </a:ln>
           <a:extLst>
             <a:ext uri="{909E8E84-426E-40DD-AFC4-6F175D3DCCD1}">
-              <a14:hiddenFill xmlns:a14="http://schemas.microsoft.com/office/drawing/2010/main" xmlns="">
+              <a14:hiddenFill xmlns:a14="http://schemas.microsoft.com/office/drawing/2010/main">
                 <a:solidFill>
                   <a:srgbClr val="FFFFFF"/>
                 </a:solidFill>
               </a14:hiddenFill>
             </a:ext>
             <a:ext uri="{91240B29-F687-4F45-9708-019B960494DF}">
-              <a14:hiddenLine xmlns:a14="http://schemas.microsoft.com/office/drawing/2010/main" xmlns="" w="9525">
+              <a14:hiddenLine xmlns:a14="http://schemas.microsoft.com/office/drawing/2010/main" w="9525">
                 <a:solidFill>
                   <a:srgbClr val="000000"/>
                 </a:solidFill>
@@ -1652,7 +1669,7 @@
     </p:spTree>
     <p:extLst>
       <p:ext uri="{BB962C8B-B14F-4D97-AF65-F5344CB8AC3E}">
-        <p14:creationId xmlns:p14="http://schemas.microsoft.com/office/powerpoint/2010/main" xmlns="" val="3630287274"/>
+        <p14:creationId xmlns:p14="http://schemas.microsoft.com/office/powerpoint/2010/main" val="3630287274"/>
       </p:ext>
     </p:extLst>
   </p:cSld>
@@ -1767,7 +1784,7 @@
     </p:spTree>
     <p:extLst>
       <p:ext uri="{BB962C8B-B14F-4D97-AF65-F5344CB8AC3E}">
-        <p14:creationId xmlns:p14="http://schemas.microsoft.com/office/powerpoint/2010/main" xmlns="" val="1104838160"/>
+        <p14:creationId xmlns:p14="http://schemas.microsoft.com/office/powerpoint/2010/main" val="1104838160"/>
       </p:ext>
     </p:extLst>
   </p:cSld>
@@ -1806,7 +1823,7 @@
           <a:blip r:embed="rId2">
             <a:extLst>
               <a:ext uri="{28A0092B-C50C-407E-A947-70E740481C1C}">
-                <a14:useLocalDpi xmlns:a14="http://schemas.microsoft.com/office/drawing/2010/main" xmlns="" val="0"/>
+                <a14:useLocalDpi xmlns:a14="http://schemas.microsoft.com/office/drawing/2010/main" val="0"/>
               </a:ext>
             </a:extLst>
           </a:blip>
@@ -1829,14 +1846,14 @@
           </a:ln>
           <a:extLst>
             <a:ext uri="{909E8E84-426E-40DD-AFC4-6F175D3DCCD1}">
-              <a14:hiddenFill xmlns:a14="http://schemas.microsoft.com/office/drawing/2010/main" xmlns="">
+              <a14:hiddenFill xmlns:a14="http://schemas.microsoft.com/office/drawing/2010/main">
                 <a:solidFill>
                   <a:srgbClr val="FFFFFF"/>
                 </a:solidFill>
               </a14:hiddenFill>
             </a:ext>
             <a:ext uri="{91240B29-F687-4F45-9708-019B960494DF}">
-              <a14:hiddenLine xmlns:a14="http://schemas.microsoft.com/office/drawing/2010/main" xmlns="" w="9525">
+              <a14:hiddenLine xmlns:a14="http://schemas.microsoft.com/office/drawing/2010/main" w="9525">
                 <a:solidFill>
                   <a:srgbClr val="000000"/>
                 </a:solidFill>
@@ -2006,7 +2023,7 @@
     </p:spTree>
     <p:extLst>
       <p:ext uri="{BB962C8B-B14F-4D97-AF65-F5344CB8AC3E}">
-        <p14:creationId xmlns:p14="http://schemas.microsoft.com/office/powerpoint/2010/main" xmlns="" val="488885635"/>
+        <p14:creationId xmlns:p14="http://schemas.microsoft.com/office/powerpoint/2010/main" val="488885635"/>
       </p:ext>
     </p:extLst>
   </p:cSld>
@@ -2059,7 +2076,7 @@
     </p:spTree>
     <p:extLst>
       <p:ext uri="{BB962C8B-B14F-4D97-AF65-F5344CB8AC3E}">
-        <p14:creationId xmlns:p14="http://schemas.microsoft.com/office/powerpoint/2010/main" xmlns="" val="83285842"/>
+        <p14:creationId xmlns:p14="http://schemas.microsoft.com/office/powerpoint/2010/main" val="83285842"/>
       </p:ext>
     </p:extLst>
   </p:cSld>
@@ -2089,7 +2106,7 @@
     </p:spTree>
     <p:extLst>
       <p:ext uri="{BB962C8B-B14F-4D97-AF65-F5344CB8AC3E}">
-        <p14:creationId xmlns:p14="http://schemas.microsoft.com/office/powerpoint/2010/main" xmlns="" val="3786586952"/>
+        <p14:creationId xmlns:p14="http://schemas.microsoft.com/office/powerpoint/2010/main" val="3786586952"/>
       </p:ext>
     </p:extLst>
   </p:cSld>
@@ -2162,7 +2179,7 @@
             <a:fld id="{1D8BD707-D9CF-40AE-B4C6-C98DA3205C09}" type="datetimeFigureOut">
               <a:rPr lang="en-US" smtClean="0"/>
               <a:pPr/>
-              <a:t>2/12/2020</a:t>
+              <a:t>9/8/2020</a:t>
             </a:fld>
             <a:endParaRPr lang="en-US"/>
           </a:p>
@@ -2580,7 +2597,7 @@
             <a:fld id="{1D8BD707-D9CF-40AE-B4C6-C98DA3205C09}" type="datetimeFigureOut">
               <a:rPr lang="en-US" smtClean="0"/>
               <a:pPr/>
-              <a:t>2/12/2020</a:t>
+              <a:t>9/8/2020</a:t>
             </a:fld>
             <a:endParaRPr lang="en-US"/>
           </a:p>
@@ -2824,7 +2841,7 @@
             <a:fld id="{1D8BD707-D9CF-40AE-B4C6-C98DA3205C09}" type="datetimeFigureOut">
               <a:rPr lang="en-US" smtClean="0"/>
               <a:pPr/>
-              <a:t>2/12/2020</a:t>
+              <a:t>9/8/2020</a:t>
             </a:fld>
             <a:endParaRPr lang="en-US"/>
           </a:p>
@@ -3062,7 +3079,7 @@
             <a:fld id="{1D8BD707-D9CF-40AE-B4C6-C98DA3205C09}" type="datetimeFigureOut">
               <a:rPr lang="en-US" smtClean="0"/>
               <a:pPr/>
-              <a:t>2/12/2020</a:t>
+              <a:t>9/8/2020</a:t>
             </a:fld>
             <a:endParaRPr lang="en-US"/>
           </a:p>
@@ -3259,7 +3276,7 @@
             <a:fld id="{1D8BD707-D9CF-40AE-B4C6-C98DA3205C09}" type="datetimeFigureOut">
               <a:rPr lang="en-US" smtClean="0"/>
               <a:pPr/>
-              <a:t>2/12/2020</a:t>
+              <a:t>9/8/2020</a:t>
             </a:fld>
             <a:endParaRPr lang="en-US"/>
           </a:p>
@@ -3359,7 +3376,7 @@
             <a:fld id="{1D8BD707-D9CF-40AE-B4C6-C98DA3205C09}" type="datetimeFigureOut">
               <a:rPr lang="en-US" smtClean="0"/>
               <a:pPr/>
-              <a:t>2/12/2020</a:t>
+              <a:t>9/8/2020</a:t>
             </a:fld>
             <a:endParaRPr lang="en-US"/>
           </a:p>
@@ -3497,7 +3514,7 @@
             <a:fld id="{1D8BD707-D9CF-40AE-B4C6-C98DA3205C09}" type="datetimeFigureOut">
               <a:rPr lang="en-US" smtClean="0"/>
               <a:pPr/>
-              <a:t>2/12/2020</a:t>
+              <a:t>9/8/2020</a:t>
             </a:fld>
             <a:endParaRPr lang="en-US"/>
           </a:p>
@@ -4017,7 +4034,7 @@
             <a:fld id="{1D8BD707-D9CF-40AE-B4C6-C98DA3205C09}" type="datetimeFigureOut">
               <a:rPr lang="en-US" smtClean="0"/>
               <a:pPr/>
-              <a:t>2/12/2020</a:t>
+              <a:t>9/8/2020</a:t>
             </a:fld>
             <a:endParaRPr lang="en-US"/>
           </a:p>
@@ -4280,7 +4297,7 @@
             <a:fld id="{1D8BD707-D9CF-40AE-B4C6-C98DA3205C09}" type="datetimeFigureOut">
               <a:rPr lang="en-US" smtClean="0"/>
               <a:pPr/>
-              <a:t>2/12/2020</a:t>
+              <a:t>9/8/2020</a:t>
             </a:fld>
             <a:endParaRPr lang="en-US"/>
           </a:p>
@@ -4837,7 +4854,7 @@
           <a:blip r:embed="rId7">
             <a:extLst>
               <a:ext uri="{28A0092B-C50C-407E-A947-70E740481C1C}">
-                <a14:useLocalDpi xmlns:a14="http://schemas.microsoft.com/office/drawing/2010/main" xmlns="" val="0"/>
+                <a14:useLocalDpi xmlns:a14="http://schemas.microsoft.com/office/drawing/2010/main" val="0"/>
               </a:ext>
             </a:extLst>
           </a:blip>
@@ -4860,14 +4877,14 @@
           </a:ln>
           <a:extLst>
             <a:ext uri="{909E8E84-426E-40DD-AFC4-6F175D3DCCD1}">
-              <a14:hiddenFill xmlns:a14="http://schemas.microsoft.com/office/drawing/2010/main" xmlns="">
+              <a14:hiddenFill xmlns:a14="http://schemas.microsoft.com/office/drawing/2010/main">
                 <a:solidFill>
                   <a:srgbClr val="FFFFFF"/>
                 </a:solidFill>
               </a14:hiddenFill>
             </a:ext>
             <a:ext uri="{91240B29-F687-4F45-9708-019B960494DF}">
-              <a14:hiddenLine xmlns:a14="http://schemas.microsoft.com/office/drawing/2010/main" xmlns="" w="9525">
+              <a14:hiddenLine xmlns:a14="http://schemas.microsoft.com/office/drawing/2010/main" w="9525">
                 <a:solidFill>
                   <a:srgbClr val="000000"/>
                 </a:solidFill>
@@ -4939,14 +4956,14 @@
           </a:ln>
           <a:extLst>
             <a:ext uri="{909E8E84-426E-40DD-AFC4-6F175D3DCCD1}">
-              <a14:hiddenFill xmlns:a14="http://schemas.microsoft.com/office/drawing/2010/main" xmlns="">
+              <a14:hiddenFill xmlns:a14="http://schemas.microsoft.com/office/drawing/2010/main">
                 <a:solidFill>
                   <a:srgbClr val="FFFFFF"/>
                 </a:solidFill>
               </a14:hiddenFill>
             </a:ext>
             <a:ext uri="{91240B29-F687-4F45-9708-019B960494DF}">
-              <a14:hiddenLine xmlns:a14="http://schemas.microsoft.com/office/drawing/2010/main" xmlns="" w="9525">
+              <a14:hiddenLine xmlns:a14="http://schemas.microsoft.com/office/drawing/2010/main" w="9525">
                 <a:solidFill>
                   <a:srgbClr val="000000"/>
                 </a:solidFill>
@@ -5004,7 +5021,7 @@
     </p:spTree>
     <p:extLst>
       <p:ext uri="{BB962C8B-B14F-4D97-AF65-F5344CB8AC3E}">
-        <p14:creationId xmlns:p14="http://schemas.microsoft.com/office/powerpoint/2010/main" xmlns="" val="2278623206"/>
+        <p14:creationId xmlns:p14="http://schemas.microsoft.com/office/powerpoint/2010/main" val="2278623206"/>
       </p:ext>
     </p:extLst>
   </p:cSld>
@@ -5849,11 +5866,7 @@
             </a:r>
             <a:r>
               <a:rPr lang="en-US" sz="1800" dirty="0" smtClean="0"/>
-              <a:t> </a:t>
-            </a:r>
-            <a:r>
-              <a:rPr lang="en-US" sz="1800" dirty="0" smtClean="0"/>
-              <a:t>-</a:t>
+              <a:t> -</a:t>
             </a:r>
             <a:r>
               <a:rPr lang="en-US" sz="1800" dirty="0" err="1" smtClean="0"/>
@@ -5861,11 +5874,7 @@
             </a:r>
             <a:r>
               <a:rPr lang="en-US" sz="1800" dirty="0" smtClean="0"/>
-              <a:t> </a:t>
-            </a:r>
-            <a:r>
-              <a:rPr lang="en-US" sz="1800" dirty="0" smtClean="0"/>
-              <a:t>Models</a:t>
+              <a:t> Models</a:t>
             </a:r>
           </a:p>
           <a:p>
@@ -5874,14 +5883,7 @@
                 <a:latin typeface="Calibri" pitchFamily="34" charset="0"/>
                 <a:cs typeface="Calibri" pitchFamily="34" charset="0"/>
               </a:rPr>
-              <a:t>Update models when tables ar</a:t>
-            </a:r>
-            <a:r>
-              <a:rPr lang="en-US" sz="1800" dirty="0" smtClean="0">
-                <a:latin typeface="Calibri" pitchFamily="34" charset="0"/>
-                <a:cs typeface="Calibri" pitchFamily="34" charset="0"/>
-              </a:rPr>
-              <a:t>e updated</a:t>
+              <a:t>Update models when tables are updated</a:t>
             </a:r>
           </a:p>
           <a:p>
@@ -5927,11 +5929,7 @@
             </a:r>
             <a:r>
               <a:rPr lang="en-US" sz="1800" dirty="0" smtClean="0"/>
-              <a:t> </a:t>
-            </a:r>
-            <a:r>
-              <a:rPr lang="en-US" sz="1800" dirty="0" smtClean="0"/>
-              <a:t>Models </a:t>
+              <a:t> Models </a:t>
             </a:r>
             <a:r>
               <a:rPr lang="en-US" sz="1800" smtClean="0"/>
@@ -5945,6 +5943,184 @@
         </p:txBody>
       </p:sp>
     </p:spTree>
+  </p:cSld>
+  <p:clrMapOvr>
+    <a:masterClrMapping/>
+  </p:clrMapOvr>
+  <p:timing>
+    <p:tnLst>
+      <p:par>
+        <p:cTn id="1" dur="indefinite" restart="never" nodeType="tmRoot"/>
+      </p:par>
+    </p:tnLst>
+  </p:timing>
+</p:sld>
+</file>
+
+<file path=ppt/slides/slide12.xml><?xml version="1.0" encoding="utf-8"?>
+<p:sld xmlns:a="http://schemas.openxmlformats.org/drawingml/2006/main" xmlns:r="http://schemas.openxmlformats.org/officeDocument/2006/relationships" xmlns:p="http://schemas.openxmlformats.org/presentationml/2006/main">
+  <p:cSld>
+    <p:spTree>
+      <p:nvGrpSpPr>
+        <p:cNvPr id="1" name=""/>
+        <p:cNvGrpSpPr/>
+        <p:nvPr/>
+      </p:nvGrpSpPr>
+      <p:grpSpPr>
+        <a:xfrm>
+          <a:off x="0" y="0"/>
+          <a:ext cx="0" cy="0"/>
+          <a:chOff x="0" y="0"/>
+          <a:chExt cx="0" cy="0"/>
+        </a:xfrm>
+      </p:grpSpPr>
+      <p:sp>
+        <p:nvSpPr>
+          <p:cNvPr id="4" name="Title 3"/>
+          <p:cNvSpPr>
+            <a:spLocks noGrp="1"/>
+          </p:cNvSpPr>
+          <p:nvPr>
+            <p:ph type="title"/>
+          </p:nvPr>
+        </p:nvSpPr>
+        <p:spPr/>
+        <p:txBody>
+          <a:bodyPr>
+            <a:normAutofit fontScale="90000"/>
+          </a:bodyPr>
+          <a:lstStyle/>
+          <a:p>
+            <a:r>
+              <a:rPr lang="en-US" dirty="0"/>
+              <a:t>Stored Procedure in Entity Framework Core</a:t>
+            </a:r>
+          </a:p>
+        </p:txBody>
+      </p:sp>
+      <p:sp>
+        <p:nvSpPr>
+          <p:cNvPr id="6" name="Content Placeholder 5"/>
+          <p:cNvSpPr>
+            <a:spLocks noGrp="1"/>
+          </p:cNvSpPr>
+          <p:nvPr>
+            <p:ph sz="quarter" idx="1"/>
+          </p:nvPr>
+        </p:nvSpPr>
+        <p:spPr>
+          <a:xfrm>
+            <a:off x="460248" y="1828800"/>
+            <a:ext cx="8153400" cy="4495800"/>
+          </a:xfrm>
+        </p:spPr>
+        <p:txBody>
+          <a:bodyPr>
+            <a:noAutofit/>
+          </a:bodyPr>
+          <a:lstStyle/>
+          <a:p>
+            <a:r>
+              <a:rPr lang="en-US" dirty="0"/>
+              <a:t>EF Core provides the following methods to execute a stored procedure</a:t>
+            </a:r>
+            <a:r>
+              <a:rPr lang="en-US" dirty="0" smtClean="0"/>
+              <a:t>:</a:t>
+            </a:r>
+          </a:p>
+          <a:p>
+            <a:pPr lvl="1"/>
+            <a:r>
+              <a:rPr lang="en-US" dirty="0" err="1"/>
+              <a:t>DbSet</a:t>
+            </a:r>
+            <a:r>
+              <a:rPr lang="en-US" dirty="0"/>
+              <a:t>&lt;</a:t>
+            </a:r>
+            <a:r>
+              <a:rPr lang="en-US" dirty="0" err="1"/>
+              <a:t>TEntity</a:t>
+            </a:r>
+            <a:r>
+              <a:rPr lang="en-US" dirty="0"/>
+              <a:t>&gt;.</a:t>
+            </a:r>
+            <a:r>
+              <a:rPr lang="en-US" dirty="0" err="1" smtClean="0"/>
+              <a:t>FromSqlRaw</a:t>
+            </a:r>
+            <a:r>
+              <a:rPr lang="en-US" dirty="0" smtClean="0"/>
+              <a:t>()</a:t>
+            </a:r>
+          </a:p>
+          <a:p>
+            <a:pPr lvl="1"/>
+            <a:r>
+              <a:rPr lang="en-US" dirty="0" err="1" smtClean="0"/>
+              <a:t>DbContext.Database.ExecuteSqlRaw</a:t>
+            </a:r>
+            <a:r>
+              <a:rPr lang="en-US" dirty="0" smtClean="0"/>
+              <a:t>()</a:t>
+            </a:r>
+          </a:p>
+          <a:p>
+            <a:pPr lvl="1"/>
+            <a:r>
+              <a:rPr lang="en-US" sz="1500" dirty="0" smtClean="0">
+                <a:latin typeface="Calibri" pitchFamily="34" charset="0"/>
+                <a:cs typeface="Calibri" pitchFamily="34" charset="0"/>
+              </a:rPr>
+              <a:t>Ex: </a:t>
+            </a:r>
+            <a:r>
+              <a:rPr lang="en-US" sz="1500" dirty="0" err="1" smtClean="0">
+                <a:latin typeface="Calibri" pitchFamily="34" charset="0"/>
+                <a:cs typeface="Calibri" pitchFamily="34" charset="0"/>
+              </a:rPr>
+              <a:t>context.Database.ExecuteSqlRaw</a:t>
+            </a:r>
+            <a:r>
+              <a:rPr lang="en-US" sz="1500" dirty="0" smtClean="0">
+                <a:latin typeface="Calibri" pitchFamily="34" charset="0"/>
+                <a:cs typeface="Calibri" pitchFamily="34" charset="0"/>
+              </a:rPr>
+              <a:t>("</a:t>
+            </a:r>
+            <a:r>
+              <a:rPr lang="en-US" sz="1500" dirty="0" err="1">
+                <a:latin typeface="Calibri" pitchFamily="34" charset="0"/>
+                <a:cs typeface="Calibri" pitchFamily="34" charset="0"/>
+              </a:rPr>
+              <a:t>CreateStudents</a:t>
+            </a:r>
+            <a:r>
+              <a:rPr lang="en-US" sz="1500" dirty="0">
+                <a:latin typeface="Calibri" pitchFamily="34" charset="0"/>
+                <a:cs typeface="Calibri" pitchFamily="34" charset="0"/>
+              </a:rPr>
+              <a:t> @p0, @p1", parameters: new[] { "Bill", "Gates" });</a:t>
+            </a:r>
+            <a:endParaRPr lang="en-US" sz="1500" dirty="0">
+              <a:latin typeface="Calibri" pitchFamily="34" charset="0"/>
+              <a:cs typeface="Calibri" pitchFamily="34" charset="0"/>
+            </a:endParaRPr>
+          </a:p>
+          <a:p>
+            <a:pPr lvl="1"/>
+            <a:endParaRPr lang="en-US" dirty="0"/>
+          </a:p>
+        </p:txBody>
+      </p:sp>
+    </p:spTree>
+    <p:extLst>
+      <p:ext uri="{BB962C8B-B14F-4D97-AF65-F5344CB8AC3E}">
+        <p14:creationId xmlns:p14="http://schemas.microsoft.com/office/powerpoint/2010/main" val="2705353085"/>
+      </p:ext>
+    </p:extLst>
   </p:cSld>
   <p:clrMapOvr>
     <a:masterClrMapping/>
@@ -6124,8 +6300,20 @@
                 <a:tableStyleId>{5C22544A-7EE6-4342-B048-85BDC9FD1C3A}</a:tableStyleId>
               </a:tblPr>
               <a:tblGrid>
-                <a:gridCol w="4076700"/>
-                <a:gridCol w="4076700"/>
+                <a:gridCol w="4076700">
+                  <a:extLst>
+                    <a:ext uri="{9D8B030D-6E8A-4147-A177-3AD203B41FA5}">
+                      <a16:colId xmlns:a16="http://schemas.microsoft.com/office/drawing/2014/main" val="20000"/>
+                    </a:ext>
+                  </a:extLst>
+                </a:gridCol>
+                <a:gridCol w="4076700">
+                  <a:extLst>
+                    <a:ext uri="{9D8B030D-6E8A-4147-A177-3AD203B41FA5}">
+                      <a16:colId xmlns:a16="http://schemas.microsoft.com/office/drawing/2014/main" val="20001"/>
+                    </a:ext>
+                  </a:extLst>
+                </a:gridCol>
               </a:tblGrid>
               <a:tr h="370840">
                 <a:tc>
@@ -6164,6 +6352,11 @@
                   </a:txBody>
                   <a:tcPr anchor="b"/>
                 </a:tc>
+                <a:extLst>
+                  <a:ext uri="{0D108BD9-81ED-4DB2-BD59-A6C34878D82A}">
+                    <a16:rowId xmlns:a16="http://schemas.microsoft.com/office/drawing/2014/main" val="10000"/>
+                  </a:ext>
+                </a:extLst>
               </a:tr>
               <a:tr h="370840">
                 <a:tc>
@@ -6202,6 +6395,11 @@
                   </a:txBody>
                   <a:tcPr/>
                 </a:tc>
+                <a:extLst>
+                  <a:ext uri="{0D108BD9-81ED-4DB2-BD59-A6C34878D82A}">
+                    <a16:rowId xmlns:a16="http://schemas.microsoft.com/office/drawing/2014/main" val="10001"/>
+                  </a:ext>
+                </a:extLst>
               </a:tr>
               <a:tr h="370840">
                 <a:tc>
@@ -6240,6 +6438,11 @@
                   </a:txBody>
                   <a:tcPr/>
                 </a:tc>
+                <a:extLst>
+                  <a:ext uri="{0D108BD9-81ED-4DB2-BD59-A6C34878D82A}">
+                    <a16:rowId xmlns:a16="http://schemas.microsoft.com/office/drawing/2014/main" val="10002"/>
+                  </a:ext>
+                </a:extLst>
               </a:tr>
               <a:tr h="370840">
                 <a:tc>
@@ -6278,6 +6481,11 @@
                   </a:txBody>
                   <a:tcPr/>
                 </a:tc>
+                <a:extLst>
+                  <a:ext uri="{0D108BD9-81ED-4DB2-BD59-A6C34878D82A}">
+                    <a16:rowId xmlns:a16="http://schemas.microsoft.com/office/drawing/2014/main" val="10003"/>
+                  </a:ext>
+                </a:extLst>
               </a:tr>
             </a:tbl>
           </a:graphicData>
@@ -7014,8 +7222,20 @@
                 <a:tableStyleId>{5C22544A-7EE6-4342-B048-85BDC9FD1C3A}</a:tableStyleId>
               </a:tblPr>
               <a:tblGrid>
-                <a:gridCol w="4267200"/>
-                <a:gridCol w="4267200"/>
+                <a:gridCol w="4267200">
+                  <a:extLst>
+                    <a:ext uri="{9D8B030D-6E8A-4147-A177-3AD203B41FA5}">
+                      <a16:colId xmlns:a16="http://schemas.microsoft.com/office/drawing/2014/main" val="20000"/>
+                    </a:ext>
+                  </a:extLst>
+                </a:gridCol>
+                <a:gridCol w="4267200">
+                  <a:extLst>
+                    <a:ext uri="{9D8B030D-6E8A-4147-A177-3AD203B41FA5}">
+                      <a16:colId xmlns:a16="http://schemas.microsoft.com/office/drawing/2014/main" val="20001"/>
+                    </a:ext>
+                  </a:extLst>
+                </a:gridCol>
               </a:tblGrid>
               <a:tr h="370840">
                 <a:tc>
@@ -7054,6 +7274,11 @@
                   </a:txBody>
                   <a:tcPr anchor="b"/>
                 </a:tc>
+                <a:extLst>
+                  <a:ext uri="{0D108BD9-81ED-4DB2-BD59-A6C34878D82A}">
+                    <a16:rowId xmlns:a16="http://schemas.microsoft.com/office/drawing/2014/main" val="10000"/>
+                  </a:ext>
+                </a:extLst>
               </a:tr>
               <a:tr h="370840">
                 <a:tc>
@@ -7098,6 +7323,11 @@
                   </a:txBody>
                   <a:tcPr/>
                 </a:tc>
+                <a:extLst>
+                  <a:ext uri="{0D108BD9-81ED-4DB2-BD59-A6C34878D82A}">
+                    <a16:rowId xmlns:a16="http://schemas.microsoft.com/office/drawing/2014/main" val="10001"/>
+                  </a:ext>
+                </a:extLst>
               </a:tr>
               <a:tr h="370840">
                 <a:tc>
@@ -7142,6 +7372,11 @@
                   </a:txBody>
                   <a:tcPr/>
                 </a:tc>
+                <a:extLst>
+                  <a:ext uri="{0D108BD9-81ED-4DB2-BD59-A6C34878D82A}">
+                    <a16:rowId xmlns:a16="http://schemas.microsoft.com/office/drawing/2014/main" val="10002"/>
+                  </a:ext>
+                </a:extLst>
               </a:tr>
               <a:tr h="370840">
                 <a:tc>
@@ -7186,6 +7421,11 @@
                   </a:txBody>
                   <a:tcPr/>
                 </a:tc>
+                <a:extLst>
+                  <a:ext uri="{0D108BD9-81ED-4DB2-BD59-A6C34878D82A}">
+                    <a16:rowId xmlns:a16="http://schemas.microsoft.com/office/drawing/2014/main" val="10003"/>
+                  </a:ext>
+                </a:extLst>
               </a:tr>
               <a:tr h="370840">
                 <a:tc>
@@ -7230,6 +7470,11 @@
                   </a:txBody>
                   <a:tcPr/>
                 </a:tc>
+                <a:extLst>
+                  <a:ext uri="{0D108BD9-81ED-4DB2-BD59-A6C34878D82A}">
+                    <a16:rowId xmlns:a16="http://schemas.microsoft.com/office/drawing/2014/main" val="10004"/>
+                  </a:ext>
+                </a:extLst>
               </a:tr>
               <a:tr h="370840">
                 <a:tc>
@@ -7274,6 +7519,11 @@
                   </a:txBody>
                   <a:tcPr/>
                 </a:tc>
+                <a:extLst>
+                  <a:ext uri="{0D108BD9-81ED-4DB2-BD59-A6C34878D82A}">
+                    <a16:rowId xmlns:a16="http://schemas.microsoft.com/office/drawing/2014/main" val="10005"/>
+                  </a:ext>
+                </a:extLst>
               </a:tr>
               <a:tr h="370840">
                 <a:tc>
@@ -7318,6 +7568,11 @@
                   </a:txBody>
                   <a:tcPr/>
                 </a:tc>
+                <a:extLst>
+                  <a:ext uri="{0D108BD9-81ED-4DB2-BD59-A6C34878D82A}">
+                    <a16:rowId xmlns:a16="http://schemas.microsoft.com/office/drawing/2014/main" val="10006"/>
+                  </a:ext>
+                </a:extLst>
               </a:tr>
             </a:tbl>
           </a:graphicData>
@@ -7925,8 +8180,20 @@
                 <a:tableStyleId>{5C22544A-7EE6-4342-B048-85BDC9FD1C3A}</a:tableStyleId>
               </a:tblPr>
               <a:tblGrid>
-                <a:gridCol w="1447800"/>
-                <a:gridCol w="6172200"/>
+                <a:gridCol w="1447800">
+                  <a:extLst>
+                    <a:ext uri="{9D8B030D-6E8A-4147-A177-3AD203B41FA5}">
+                      <a16:colId xmlns:a16="http://schemas.microsoft.com/office/drawing/2014/main" val="20000"/>
+                    </a:ext>
+                  </a:extLst>
+                </a:gridCol>
+                <a:gridCol w="6172200">
+                  <a:extLst>
+                    <a:ext uri="{9D8B030D-6E8A-4147-A177-3AD203B41FA5}">
+                      <a16:colId xmlns:a16="http://schemas.microsoft.com/office/drawing/2014/main" val="20001"/>
+                    </a:ext>
+                  </a:extLst>
+                </a:gridCol>
               </a:tblGrid>
               <a:tr h="542925">
                 <a:tc>
@@ -7957,6 +8224,11 @@
                   </a:txBody>
                   <a:tcPr/>
                 </a:tc>
+                <a:extLst>
+                  <a:ext uri="{0D108BD9-81ED-4DB2-BD59-A6C34878D82A}">
+                    <a16:rowId xmlns:a16="http://schemas.microsoft.com/office/drawing/2014/main" val="10000"/>
+                  </a:ext>
+                </a:extLst>
               </a:tr>
               <a:tr h="542925">
                 <a:tc>
@@ -8027,6 +8299,11 @@
                   </a:txBody>
                   <a:tcPr/>
                 </a:tc>
+                <a:extLst>
+                  <a:ext uri="{0D108BD9-81ED-4DB2-BD59-A6C34878D82A}">
+                    <a16:rowId xmlns:a16="http://schemas.microsoft.com/office/drawing/2014/main" val="10001"/>
+                  </a:ext>
+                </a:extLst>
               </a:tr>
               <a:tr h="542925">
                 <a:tc>
@@ -8065,6 +8342,11 @@
                   </a:txBody>
                   <a:tcPr/>
                 </a:tc>
+                <a:extLst>
+                  <a:ext uri="{0D108BD9-81ED-4DB2-BD59-A6C34878D82A}">
+                    <a16:rowId xmlns:a16="http://schemas.microsoft.com/office/drawing/2014/main" val="10002"/>
+                  </a:ext>
+                </a:extLst>
               </a:tr>
               <a:tr h="542925">
                 <a:tc>
@@ -8119,6 +8401,11 @@
                   </a:txBody>
                   <a:tcPr/>
                 </a:tc>
+                <a:extLst>
+                  <a:ext uri="{0D108BD9-81ED-4DB2-BD59-A6C34878D82A}">
+                    <a16:rowId xmlns:a16="http://schemas.microsoft.com/office/drawing/2014/main" val="10003"/>
+                  </a:ext>
+                </a:extLst>
               </a:tr>
               <a:tr h="542925">
                 <a:tc>
@@ -8162,6 +8449,11 @@
                   </a:txBody>
                   <a:tcPr/>
                 </a:tc>
+                <a:extLst>
+                  <a:ext uri="{0D108BD9-81ED-4DB2-BD59-A6C34878D82A}">
+                    <a16:rowId xmlns:a16="http://schemas.microsoft.com/office/drawing/2014/main" val="10004"/>
+                  </a:ext>
+                </a:extLst>
               </a:tr>
               <a:tr h="542925">
                 <a:tc>
@@ -8216,6 +8508,11 @@
                   </a:txBody>
                   <a:tcPr/>
                 </a:tc>
+                <a:extLst>
+                  <a:ext uri="{0D108BD9-81ED-4DB2-BD59-A6C34878D82A}">
+                    <a16:rowId xmlns:a16="http://schemas.microsoft.com/office/drawing/2014/main" val="10005"/>
+                  </a:ext>
+                </a:extLst>
               </a:tr>
             </a:tbl>
           </a:graphicData>
